--- a/Docker & kubernetes.pptx
+++ b/Docker & kubernetes.pptx
@@ -14415,6 +14415,31 @@
               </a:rPr>
               <a:t> - </a:t>
             </a:r>
+            <a:r>
+              <a:rPr lang="en-US" altLang="ko-KR" b="1" dirty="0" smtClean="0">
+                <a:ln>
+                  <a:solidFill>
+                    <a:schemeClr val="accent1">
+                      <a:alpha val="0"/>
+                    </a:schemeClr>
+                  </a:solidFill>
+                </a:ln>
+                <a:latin typeface="나눔바른고딕" panose="020B0603020101020101" pitchFamily="50" charset="-127"/>
+                <a:ea typeface="나눔바른고딕" panose="020B0603020101020101" pitchFamily="50" charset="-127"/>
+              </a:rPr>
+              <a:t> </a:t>
+            </a:r>
+            <a:endParaRPr lang="en-US" altLang="ko-KR" b="1" dirty="0" smtClean="0">
+              <a:ln>
+                <a:solidFill>
+                  <a:schemeClr val="accent1">
+                    <a:alpha val="0"/>
+                  </a:schemeClr>
+                </a:solidFill>
+              </a:ln>
+              <a:latin typeface="나눔바른고딕" panose="020B0603020101020101" pitchFamily="50" charset="-127"/>
+              <a:ea typeface="나눔바른고딕" panose="020B0603020101020101" pitchFamily="50" charset="-127"/>
+            </a:endParaRPr>
           </a:p>
           <a:p>
             <a:pPr>
@@ -20923,21 +20948,7 @@
                 <a:latin typeface="나눔바른고딕" panose="020B0603020101020101" pitchFamily="50" charset="-127"/>
                 <a:ea typeface="나눔바른고딕" panose="020B0603020101020101" pitchFamily="50" charset="-127"/>
               </a:rPr>
-              <a:t>Kubern</a:t>
-            </a:r>
-            <a:r>
-              <a:rPr lang="en-US" altLang="ko-KR" sz="1600" b="1" dirty="0" smtClean="0">
-                <a:ln>
-                  <a:solidFill>
-                    <a:schemeClr val="accent1">
-                      <a:alpha val="0"/>
-                    </a:schemeClr>
-                  </a:solidFill>
-                </a:ln>
-                <a:latin typeface="나눔바른고딕" panose="020B0603020101020101" pitchFamily="50" charset="-127"/>
-                <a:ea typeface="나눔바른고딕" panose="020B0603020101020101" pitchFamily="50" charset="-127"/>
-              </a:rPr>
-              <a:t>etes</a:t>
+              <a:t>Kubernetes</a:t>
             </a:r>
             <a:r>
               <a:rPr lang="ko-KR" altLang="en-US" sz="1600" b="1" dirty="0" smtClean="0">
